--- a/Presentation/Bloc_Home_20200803_Final.pptx
+++ b/Presentation/Bloc_Home_20200803_Final.pptx
@@ -226,7 +226,7 @@
           <a:p>
             <a:fld id="{A5C20BB3-3CCB-4FE5-991B-82F6BCB48AF3}" type="datetimeFigureOut">
               <a:rPr lang="en-US" smtClean="0"/>
-              <a:t>9/3/2020</a:t>
+              <a:t>10/12/2020</a:t>
             </a:fld>
             <a:endParaRPr lang="en-US"/>
           </a:p>
@@ -1861,9 +1861,9 @@
             </a:lvl1pPr>
           </a:lstStyle>
           <a:p>
-            <a:fld id="{08CC0F04-B082-4650-A265-1DDED6F4E7A7}" type="datetime1">
+            <a:fld id="{2780A03C-3F2C-4ED9-A9E1-50659555E1EC}" type="datetime1">
               <a:rPr lang="en-US" smtClean="0"/>
-              <a:t>9/3/2020</a:t>
+              <a:t>10/12/2020</a:t>
             </a:fld>
             <a:endParaRPr lang="en-US" dirty="0"/>
           </a:p>
@@ -1902,7 +1902,7 @@
           <a:p>
             <a:r>
               <a:rPr lang="en-US"/>
-              <a:t>TEAM 1: Dealerless Deals  // Smart Contracts with a Push Button</a:t>
+              <a:t>TEAM 1: FinTechies  // Smart Contracts with a Push Button</a:t>
             </a:r>
             <a:endParaRPr lang="en-US" dirty="0"/>
           </a:p>
@@ -2128,9 +2128,9 @@
           <a:bodyPr/>
           <a:lstStyle/>
           <a:p>
-            <a:fld id="{95B842B7-6E8E-4238-8D8F-3A40D6D39F56}" type="datetime1">
+            <a:fld id="{C520384C-698F-439E-8EE7-03C3773E9294}" type="datetime1">
               <a:rPr lang="en-US" smtClean="0"/>
-              <a:t>9/3/2020</a:t>
+              <a:t>10/12/2020</a:t>
             </a:fld>
             <a:endParaRPr lang="en-US" dirty="0"/>
           </a:p>
@@ -2153,7 +2153,7 @@
           <a:p>
             <a:r>
               <a:rPr lang="en-US"/>
-              <a:t>TEAM 1: Dealerless Deals  // Smart Contracts with a Push Button</a:t>
+              <a:t>TEAM 1: FinTechies  // Smart Contracts with a Push Button</a:t>
             </a:r>
             <a:endParaRPr lang="en-US" dirty="0"/>
           </a:p>
@@ -2368,9 +2368,9 @@
             </a:lvl1pPr>
           </a:lstStyle>
           <a:p>
-            <a:fld id="{A4548391-D5BC-48B9-A205-04ED0D6F3160}" type="datetime1">
+            <a:fld id="{4613F1EB-F0F2-489E-87A2-8EBB9C68C60F}" type="datetime1">
               <a:rPr lang="en-US" smtClean="0"/>
-              <a:t>9/3/2020</a:t>
+              <a:t>10/12/2020</a:t>
             </a:fld>
             <a:endParaRPr lang="en-US" dirty="0"/>
           </a:p>
@@ -2398,7 +2398,7 @@
           <a:p>
             <a:r>
               <a:rPr lang="en-US"/>
-              <a:t>TEAM 1: Dealerless Deals  // Smart Contracts with a Push Button</a:t>
+              <a:t>TEAM 1: FinTechies  // Smart Contracts with a Push Button</a:t>
             </a:r>
             <a:endParaRPr lang="en-US" dirty="0"/>
           </a:p>
@@ -2613,9 +2613,9 @@
           <a:bodyPr/>
           <a:lstStyle/>
           <a:p>
-            <a:fld id="{337ADC6A-CC74-40E3-91B4-4CD4C6B8E8E8}" type="datetime1">
+            <a:fld id="{EA908E5F-0FC4-4B01-8488-75734B30B594}" type="datetime1">
               <a:rPr lang="en-US" smtClean="0"/>
-              <a:t>9/3/2020</a:t>
+              <a:t>10/12/2020</a:t>
             </a:fld>
             <a:endParaRPr lang="en-US" dirty="0"/>
           </a:p>
@@ -2638,7 +2638,7 @@
           <a:p>
             <a:r>
               <a:rPr lang="en-US"/>
-              <a:t>TEAM 1: Dealerless Deals  // Smart Contracts with a Push Button</a:t>
+              <a:t>TEAM 1: FinTechies  // Smart Contracts with a Push Button</a:t>
             </a:r>
             <a:endParaRPr lang="en-US" dirty="0"/>
           </a:p>
@@ -2925,9 +2925,9 @@
             </a:lvl1pPr>
           </a:lstStyle>
           <a:p>
-            <a:fld id="{09C07865-2E06-4C4C-B290-A63868DC4C09}" type="datetime1">
+            <a:fld id="{EEFB1B85-9530-4076-BC1F-B1DC52EBF920}" type="datetime1">
               <a:rPr lang="en-US" smtClean="0"/>
-              <a:t>9/3/2020</a:t>
+              <a:t>10/12/2020</a:t>
             </a:fld>
             <a:endParaRPr lang="en-US" dirty="0"/>
           </a:p>
@@ -2961,7 +2961,7 @@
           <a:p>
             <a:r>
               <a:rPr lang="en-US"/>
-              <a:t>TEAM 1: Dealerless Deals  // Smart Contracts with a Push Button</a:t>
+              <a:t>TEAM 1: FinTechies  // Smart Contracts with a Push Button</a:t>
             </a:r>
             <a:endParaRPr lang="en-US" dirty="0"/>
           </a:p>
@@ -3232,9 +3232,9 @@
           <a:bodyPr/>
           <a:lstStyle/>
           <a:p>
-            <a:fld id="{0CE911F5-FFD3-4439-8627-7E7F153F68AB}" type="datetime1">
+            <a:fld id="{78836BCB-C32E-4344-B18D-5AF787672C53}" type="datetime1">
               <a:rPr lang="en-US" smtClean="0"/>
-              <a:t>9/3/2020</a:t>
+              <a:t>10/12/2020</a:t>
             </a:fld>
             <a:endParaRPr lang="en-US" dirty="0"/>
           </a:p>
@@ -3257,7 +3257,7 @@
           <a:p>
             <a:r>
               <a:rPr lang="en-US"/>
-              <a:t>TEAM 1: Dealerless Deals  // Smart Contracts with a Push Button</a:t>
+              <a:t>TEAM 1: FinTechies  // Smart Contracts with a Push Button</a:t>
             </a:r>
             <a:endParaRPr lang="en-US" dirty="0"/>
           </a:p>
@@ -3659,9 +3659,9 @@
           <a:bodyPr/>
           <a:lstStyle/>
           <a:p>
-            <a:fld id="{409BE442-B53C-4FF8-A240-5AE5A16E57E6}" type="datetime1">
+            <a:fld id="{B3656754-AF08-414F-B73B-87470E96468E}" type="datetime1">
               <a:rPr lang="en-US" smtClean="0"/>
-              <a:t>9/3/2020</a:t>
+              <a:t>10/12/2020</a:t>
             </a:fld>
             <a:endParaRPr lang="en-US" dirty="0"/>
           </a:p>
@@ -3684,7 +3684,7 @@
           <a:p>
             <a:r>
               <a:rPr lang="en-US"/>
-              <a:t>TEAM 1: Dealerless Deals  // Smart Contracts with a Push Button</a:t>
+              <a:t>TEAM 1: FinTechies  // Smart Contracts with a Push Button</a:t>
             </a:r>
             <a:endParaRPr lang="en-US" dirty="0"/>
           </a:p>
@@ -3826,9 +3826,9 @@
           <a:bodyPr/>
           <a:lstStyle/>
           <a:p>
-            <a:fld id="{3724EF96-1881-4B42-97AD-7D24B9609357}" type="datetime1">
+            <a:fld id="{6E1D321F-0441-44C7-A118-ED6AAE75696F}" type="datetime1">
               <a:rPr lang="en-US" smtClean="0"/>
-              <a:t>9/3/2020</a:t>
+              <a:t>10/12/2020</a:t>
             </a:fld>
             <a:endParaRPr lang="en-US" dirty="0"/>
           </a:p>
@@ -3851,7 +3851,7 @@
           <a:p>
             <a:r>
               <a:rPr lang="en-US"/>
-              <a:t>TEAM 1: Dealerless Deals  // Smart Contracts with a Push Button</a:t>
+              <a:t>TEAM 1: FinTechies  // Smart Contracts with a Push Button</a:t>
             </a:r>
             <a:endParaRPr lang="en-US" dirty="0"/>
           </a:p>
@@ -3926,9 +3926,9 @@
           <a:bodyPr/>
           <a:lstStyle/>
           <a:p>
-            <a:fld id="{2E7BAE5E-FB09-448A-A12D-0C6167AF9B0B}" type="datetime1">
+            <a:fld id="{DB700E88-6905-4B4C-B781-BF6A8009C66A}" type="datetime1">
               <a:rPr lang="en-US" smtClean="0"/>
-              <a:t>9/3/2020</a:t>
+              <a:t>10/12/2020</a:t>
             </a:fld>
             <a:endParaRPr lang="en-US" dirty="0"/>
           </a:p>
@@ -3951,7 +3951,7 @@
           <a:p>
             <a:r>
               <a:rPr lang="en-US"/>
-              <a:t>TEAM 1: Dealerless Deals  // Smart Contracts with a Push Button</a:t>
+              <a:t>TEAM 1: FinTechies  // Smart Contracts with a Push Button</a:t>
             </a:r>
             <a:endParaRPr lang="en-US" dirty="0"/>
           </a:p>
@@ -4309,9 +4309,9 @@
             </a:lvl1pPr>
           </a:lstStyle>
           <a:p>
-            <a:fld id="{31DA489A-7E07-4FB8-8C64-56CC7881D81F}" type="datetime1">
+            <a:fld id="{92D2D5A4-39DB-4CAF-961C-F448BB38C0AF}" type="datetime1">
               <a:rPr lang="en-US" smtClean="0"/>
-              <a:t>9/3/2020</a:t>
+              <a:t>10/12/2020</a:t>
             </a:fld>
             <a:endParaRPr lang="en-US" dirty="0"/>
           </a:p>
@@ -4345,7 +4345,7 @@
           <a:p>
             <a:r>
               <a:rPr lang="en-US"/>
-              <a:t>TEAM 1: Dealerless Deals  // Smart Contracts with a Push Button</a:t>
+              <a:t>TEAM 1: FinTechies  // Smart Contracts with a Push Button</a:t>
             </a:r>
             <a:endParaRPr lang="en-US" dirty="0"/>
           </a:p>
@@ -4603,9 +4603,9 @@
           <a:bodyPr/>
           <a:lstStyle/>
           <a:p>
-            <a:fld id="{B19E78EC-D1AB-4D5D-927C-076492579BC9}" type="datetime1">
+            <a:fld id="{FAA6D833-C843-46FE-B09F-0ABA8DCB647D}" type="datetime1">
               <a:rPr lang="en-US" smtClean="0"/>
-              <a:t>9/3/2020</a:t>
+              <a:t>10/12/2020</a:t>
             </a:fld>
             <a:endParaRPr lang="en-US" dirty="0"/>
           </a:p>
@@ -4628,7 +4628,7 @@
           <a:p>
             <a:r>
               <a:rPr lang="en-US"/>
-              <a:t>TEAM 1: Dealerless Deals  // Smart Contracts with a Push Button</a:t>
+              <a:t>TEAM 1: FinTechies  // Smart Contracts with a Push Button</a:t>
             </a:r>
             <a:endParaRPr lang="en-US" dirty="0"/>
           </a:p>
@@ -4819,9 +4819,9 @@
             </a:lvl1pPr>
           </a:lstStyle>
           <a:p>
-            <a:fld id="{FD385930-0B27-40B8-9068-EC24BD23D61C}" type="datetime1">
+            <a:fld id="{CA8A7C98-6FC9-4FB4-9F1A-86C3186D4984}" type="datetime1">
               <a:rPr lang="en-US" smtClean="0"/>
-              <a:t>9/3/2020</a:t>
+              <a:t>10/12/2020</a:t>
             </a:fld>
             <a:endParaRPr lang="en-US" dirty="0"/>
           </a:p>
@@ -4860,7 +4860,7 @@
           <a:p>
             <a:r>
               <a:rPr lang="en-US"/>
-              <a:t>TEAM 1: Dealerless Deals  // Smart Contracts with a Push Button</a:t>
+              <a:t>TEAM 1: FinTechies  // Smart Contracts with a Push Button</a:t>
             </a:r>
             <a:endParaRPr lang="en-US" dirty="0"/>
           </a:p>
@@ -5826,6 +5826,35 @@
           </a:prstGeom>
         </p:spPr>
       </p:pic>
+      <p:sp>
+        <p:nvSpPr>
+          <p:cNvPr id="6" name="Footer Placeholder 5">
+            <a:extLst>
+              <a:ext uri="{FF2B5EF4-FFF2-40B4-BE49-F238E27FC236}">
+                <a16:creationId xmlns:a16="http://schemas.microsoft.com/office/drawing/2014/main" id="{8908E576-3463-495C-AEB8-C609D0C97326}"/>
+              </a:ext>
+            </a:extLst>
+          </p:cNvPr>
+          <p:cNvSpPr>
+            <a:spLocks noGrp="1"/>
+          </p:cNvSpPr>
+          <p:nvPr>
+            <p:ph type="ftr" sz="quarter" idx="11"/>
+          </p:nvPr>
+        </p:nvSpPr>
+        <p:spPr/>
+        <p:txBody>
+          <a:bodyPr/>
+          <a:lstStyle/>
+          <a:p>
+            <a:r>
+              <a:rPr lang="en-US"/>
+              <a:t>TEAM 1: FinTechies  // Smart Contracts with a Push Button</a:t>
+            </a:r>
+            <a:endParaRPr lang="en-US" dirty="0"/>
+          </a:p>
+        </p:txBody>
+      </p:sp>
     </p:spTree>
     <p:extLst>
       <p:ext uri="{BB962C8B-B14F-4D97-AF65-F5344CB8AC3E}">
@@ -6120,7 +6149,7 @@
           <a:p>
             <a:r>
               <a:rPr lang="en-US"/>
-              <a:t>TEAM 1: Dealerless Deals  // Smart Contracts with a Push Button</a:t>
+              <a:t>TEAM 1: FinTechies  // Smart Contracts with a Push Button</a:t>
             </a:r>
             <a:endParaRPr lang="en-US" dirty="0"/>
           </a:p>
@@ -6446,7 +6475,7 @@
           <a:p>
             <a:r>
               <a:rPr lang="en-US"/>
-              <a:t>TEAM 1: Dealerless Deals  // Smart Contracts with a Push Button</a:t>
+              <a:t>TEAM 1: FinTechies  // Smart Contracts with a Push Button</a:t>
             </a:r>
             <a:endParaRPr lang="en-US" dirty="0"/>
           </a:p>
@@ -6607,7 +6636,7 @@
           <a:p>
             <a:r>
               <a:rPr lang="en-US"/>
-              <a:t>TEAM 1: Dealerless Deals  // Smart Contracts with a Push Button</a:t>
+              <a:t>TEAM 1: FinTechies  // Smart Contracts with a Push Button</a:t>
             </a:r>
             <a:endParaRPr lang="en-US" dirty="0"/>
           </a:p>
@@ -6833,7 +6862,7 @@
           <a:p>
             <a:r>
               <a:rPr lang="en-US"/>
-              <a:t>TEAM 1: Dealerless Deals  // Smart Contracts with a Push Button</a:t>
+              <a:t>TEAM 1: FinTechies  // Smart Contracts with a Push Button</a:t>
             </a:r>
             <a:endParaRPr lang="en-US" dirty="0"/>
           </a:p>
@@ -7055,7 +7084,7 @@
           <a:p>
             <a:r>
               <a:rPr lang="en-US"/>
-              <a:t>TEAM 1: Dealerless Deals  // Smart Contracts with a Push Button</a:t>
+              <a:t>TEAM 1: FinTechies  // Smart Contracts with a Push Button</a:t>
             </a:r>
             <a:endParaRPr lang="en-US" dirty="0"/>
           </a:p>
@@ -7386,7 +7415,7 @@
           <a:p>
             <a:r>
               <a:rPr lang="en-US"/>
-              <a:t>TEAM 1: Dealerless Deals  // Smart Contracts with a Push Button</a:t>
+              <a:t>TEAM 1: FinTechies  // Smart Contracts with a Push Button</a:t>
             </a:r>
             <a:endParaRPr lang="en-US" dirty="0"/>
           </a:p>
@@ -7643,7 +7672,7 @@
           <a:p>
             <a:r>
               <a:rPr lang="en-US"/>
-              <a:t>TEAM 1: Dealerless Deals  // Smart Contracts with a Push Button</a:t>
+              <a:t>TEAM 1: FinTechies  // Smart Contracts with a Push Button</a:t>
             </a:r>
             <a:endParaRPr lang="en-US" dirty="0"/>
           </a:p>
@@ -8034,7 +8063,7 @@
           <a:p>
             <a:r>
               <a:rPr lang="en-US"/>
-              <a:t>TEAM 1: Dealerless Deals  // Smart Contracts with a Push Button</a:t>
+              <a:t>TEAM 1: FinTechies  // Smart Contracts with a Push Button</a:t>
             </a:r>
             <a:endParaRPr lang="en-US" dirty="0"/>
           </a:p>
@@ -8207,7 +8236,7 @@
           <a:p>
             <a:r>
               <a:rPr lang="en-US"/>
-              <a:t>TEAM 1: Dealerless Deals  // Smart Contracts with a Push Button</a:t>
+              <a:t>TEAM 1: FinTechies  // Smart Contracts with a Push Button</a:t>
             </a:r>
             <a:endParaRPr lang="en-US" dirty="0"/>
           </a:p>
@@ -8365,7 +8394,7 @@
           <a:p>
             <a:r>
               <a:rPr lang="en-US"/>
-              <a:t>TEAM 1: Dealerless Deals  // Smart Contracts with a Push Button</a:t>
+              <a:t>TEAM 1: FinTechies  // Smart Contracts with a Push Button</a:t>
             </a:r>
             <a:endParaRPr lang="en-US" dirty="0"/>
           </a:p>
@@ -8732,12 +8761,9 @@
             </a:r>
             <a:r>
               <a:rPr lang="en-US" sz="3200" b="1" dirty="0" err="1"/>
-              <a:t>Dealerless</a:t>
-            </a:r>
-            <a:r>
-              <a:rPr lang="en-US" sz="3200" b="1" dirty="0"/>
-              <a:t> Deals</a:t>
-            </a:r>
+              <a:t>FinTechies</a:t>
+            </a:r>
+            <a:endParaRPr lang="en-US" sz="3200" b="1" dirty="0"/>
           </a:p>
           <a:p>
             <a:r>
@@ -8836,7 +8862,7 @@
           <a:p>
             <a:r>
               <a:rPr lang="en-US"/>
-              <a:t>TEAM 1: Dealerless Deals  // Smart Contracts with a Push Button</a:t>
+              <a:t>TEAM 1: FinTechies  // Smart Contracts with a Push Button</a:t>
             </a:r>
             <a:endParaRPr lang="en-US" dirty="0"/>
           </a:p>
@@ -8943,7 +8969,7 @@
           <a:p>
             <a:r>
               <a:rPr lang="en-US"/>
-              <a:t>TEAM 1: Dealerless Deals  // Smart Contracts with a Push Button</a:t>
+              <a:t>TEAM 1: FinTechies  // Smart Contracts with a Push Button</a:t>
             </a:r>
             <a:endParaRPr lang="en-US" dirty="0"/>
           </a:p>
@@ -9107,7 +9133,7 @@
           <a:p>
             <a:r>
               <a:rPr lang="en-US"/>
-              <a:t>TEAM 1: Dealerless Deals  // Smart Contracts with a Push Button</a:t>
+              <a:t>TEAM 1: FinTechies  // Smart Contracts with a Push Button</a:t>
             </a:r>
             <a:endParaRPr lang="en-US" dirty="0"/>
           </a:p>
@@ -9371,7 +9397,7 @@
           <a:p>
             <a:r>
               <a:rPr lang="en-US"/>
-              <a:t>TEAM 1: Dealerless Deals  // Smart Contracts with a Push Button</a:t>
+              <a:t>TEAM 1: FinTechies  // Smart Contracts with a Push Button</a:t>
             </a:r>
             <a:endParaRPr lang="en-US" dirty="0"/>
           </a:p>
@@ -9745,7 +9771,7 @@
           <a:p>
             <a:r>
               <a:rPr lang="en-US"/>
-              <a:t>TEAM 1: Dealerless Deals  // Smart Contracts with a Push Button</a:t>
+              <a:t>TEAM 1: FinTechies  // Smart Contracts with a Push Button</a:t>
             </a:r>
             <a:endParaRPr lang="en-US" dirty="0"/>
           </a:p>
@@ -9996,7 +10022,7 @@
           <a:p>
             <a:r>
               <a:rPr lang="en-US"/>
-              <a:t>TEAM 1: Dealerless Deals  // Smart Contracts with a Push Button</a:t>
+              <a:t>TEAM 1: FinTechies  // Smart Contracts with a Push Button</a:t>
             </a:r>
             <a:endParaRPr lang="en-US" dirty="0"/>
           </a:p>
@@ -10457,7 +10483,7 @@
           <a:p>
             <a:r>
               <a:rPr lang="en-US"/>
-              <a:t>TEAM 1: Dealerless Deals  // Smart Contracts with a Push Button</a:t>
+              <a:t>TEAM 1: FinTechies  // Smart Contracts with a Push Button</a:t>
             </a:r>
             <a:endParaRPr lang="en-US" dirty="0"/>
           </a:p>
@@ -10685,7 +10711,7 @@
           <a:p>
             <a:r>
               <a:rPr lang="en-US"/>
-              <a:t>TEAM 1: Dealerless Deals  // Smart Contracts with a Push Button</a:t>
+              <a:t>TEAM 1: FinTechies  // Smart Contracts with a Push Button</a:t>
             </a:r>
             <a:endParaRPr lang="en-US" dirty="0"/>
           </a:p>
@@ -14062,7 +14088,7 @@
           <a:p>
             <a:r>
               <a:rPr lang="en-US"/>
-              <a:t>TEAM 1: Dealerless Deals  // Smart Contracts with a Push Button</a:t>
+              <a:t>TEAM 1: FinTechies  // Smart Contracts with a Push Button</a:t>
             </a:r>
             <a:endParaRPr lang="en-US" dirty="0"/>
           </a:p>
@@ -14354,7 +14380,7 @@
           <a:p>
             <a:r>
               <a:rPr lang="en-US"/>
-              <a:t>TEAM 1: Dealerless Deals  // Smart Contracts with a Push Button</a:t>
+              <a:t>TEAM 1: FinTechies  // Smart Contracts with a Push Button</a:t>
             </a:r>
             <a:endParaRPr lang="en-US" dirty="0"/>
           </a:p>
@@ -16898,7 +16924,7 @@
           <a:p>
             <a:r>
               <a:rPr lang="en-US"/>
-              <a:t>TEAM 1: Dealerless Deals  // Smart Contracts with a Push Button</a:t>
+              <a:t>TEAM 1: FinTechies  // Smart Contracts with a Push Button</a:t>
             </a:r>
             <a:endParaRPr lang="en-US" dirty="0"/>
           </a:p>
@@ -17197,8 +17223,12 @@
               <a:buNone/>
             </a:pPr>
             <a:r>
+              <a:rPr lang="en-US" sz="3200" b="1" dirty="0" err="1"/>
+              <a:t>FinTechies</a:t>
+            </a:r>
+            <a:r>
               <a:rPr lang="en-US" sz="3200" b="1" dirty="0"/>
-              <a:t>Dealer Less Deals:</a:t>
+              <a:t>:</a:t>
             </a:r>
           </a:p>
           <a:p>
@@ -17302,7 +17332,7 @@
           <a:p>
             <a:r>
               <a:rPr lang="en-US"/>
-              <a:t>TEAM 1: Dealerless Deals  // Smart Contracts with a Push Button</a:t>
+              <a:t>TEAM 1: FinTechies  // Smart Contracts with a Push Button</a:t>
             </a:r>
             <a:endParaRPr lang="en-US" dirty="0"/>
           </a:p>
@@ -21066,7 +21096,7 @@
           <a:p>
             <a:r>
               <a:rPr lang="en-US"/>
-              <a:t>TEAM 1: Dealerless Deals  // Smart Contracts with a Push Button</a:t>
+              <a:t>TEAM 1: FinTechies  // Smart Contracts with a Push Button</a:t>
             </a:r>
             <a:endParaRPr lang="en-US" dirty="0"/>
           </a:p>
@@ -21454,7 +21484,7 @@
           <a:p>
             <a:r>
               <a:rPr lang="en-US"/>
-              <a:t>TEAM 1: Dealerless Deals  // Smart Contracts with a Push Button</a:t>
+              <a:t>TEAM 1: FinTechies  // Smart Contracts with a Push Button</a:t>
             </a:r>
             <a:endParaRPr lang="en-US" dirty="0"/>
           </a:p>
@@ -21637,7 +21667,7 @@
           <a:p>
             <a:r>
               <a:rPr lang="en-US"/>
-              <a:t>TEAM 1: Dealerless Deals  // Smart Contracts with a Push Button</a:t>
+              <a:t>TEAM 1: FinTechies  // Smart Contracts with a Push Button</a:t>
             </a:r>
             <a:endParaRPr lang="en-US" dirty="0"/>
           </a:p>
@@ -21980,7 +22010,7 @@
           <a:p>
             <a:r>
               <a:rPr lang="en-US"/>
-              <a:t>TEAM 1: Dealerless Deals  // Smart Contracts with a Push Button</a:t>
+              <a:t>TEAM 1: FinTechies  // Smart Contracts with a Push Button</a:t>
             </a:r>
             <a:endParaRPr lang="en-US" dirty="0"/>
           </a:p>
@@ -22336,7 +22366,7 @@
           <a:p>
             <a:r>
               <a:rPr lang="en-US"/>
-              <a:t>TEAM 1: Dealerless Deals  // Smart Contracts with a Push Button</a:t>
+              <a:t>TEAM 1: FinTechies  // Smart Contracts with a Push Button</a:t>
             </a:r>
             <a:endParaRPr lang="en-US" dirty="0"/>
           </a:p>
@@ -22598,7 +22628,7 @@
           <a:p>
             <a:r>
               <a:rPr lang="en-US"/>
-              <a:t>TEAM 1: Dealerless Deals  // Smart Contracts with a Push Button</a:t>
+              <a:t>TEAM 1: FinTechies  // Smart Contracts with a Push Button</a:t>
             </a:r>
             <a:endParaRPr lang="en-US" dirty="0"/>
           </a:p>
@@ -23195,7 +23225,7 @@
           <a:p>
             <a:r>
               <a:rPr lang="en-US"/>
-              <a:t>TEAM 1: Dealerless Deals  // Smart Contracts with a Push Button</a:t>
+              <a:t>TEAM 1: FinTechies  // Smart Contracts with a Push Button</a:t>
             </a:r>
             <a:endParaRPr lang="en-US" dirty="0"/>
           </a:p>
